--- a/SchulungsUnterlagen/BZU/Lineare_Funktion_Uebungen.pptx
+++ b/SchulungsUnterlagen/BZU/Lineare_Funktion_Uebungen.pptx
@@ -113,6 +113,11 @@
       </a:defRPr>
     </a:lvl9pPr>
   </p:defaultTextStyle>
+  <p:extLst>
+    <p:ext uri="{EFAFB233-063F-42B5-8137-9DF3F51BA10A}">
+      <p15:sldGuideLst xmlns:p15="http://schemas.microsoft.com/office/powerpoint/2012/main"/>
+    </p:ext>
+  </p:extLst>
 </p:presentation>
 </file>
 
@@ -158,7 +163,7 @@
           </a:lstStyle>
           <a:p>
             <a:r>
-              <a:rPr lang="de-DE" smtClean="0"/>
+              <a:rPr lang="de-DE"/>
               <a:t>Titelmasterformat durch Klicken bearbeiten</a:t>
             </a:r>
             <a:endParaRPr lang="de-CH"/>
@@ -223,7 +228,7 @@
           </a:lstStyle>
           <a:p>
             <a:r>
-              <a:rPr lang="de-DE" smtClean="0"/>
+              <a:rPr lang="de-DE"/>
               <a:t>Formatvorlage des Untertitelmasters durch Klicken bearbeiten</a:t>
             </a:r>
             <a:endParaRPr lang="de-CH"/>
@@ -341,7 +346,7 @@
           <a:lstStyle/>
           <a:p>
             <a:r>
-              <a:rPr lang="de-DE" smtClean="0"/>
+              <a:rPr lang="de-DE"/>
               <a:t>Titelmasterformat durch Klicken bearbeiten</a:t>
             </a:r>
             <a:endParaRPr lang="de-CH"/>
@@ -365,35 +370,35 @@
           <a:p>
             <a:pPr lvl="0"/>
             <a:r>
-              <a:rPr lang="de-DE" smtClean="0"/>
+              <a:rPr lang="de-DE"/>
               <a:t>Formatvorlagen des Textmasters bearbeiten</a:t>
             </a:r>
           </a:p>
           <a:p>
             <a:pPr lvl="1"/>
             <a:r>
-              <a:rPr lang="de-DE" smtClean="0"/>
+              <a:rPr lang="de-DE"/>
               <a:t>Zweite Ebene</a:t>
             </a:r>
           </a:p>
           <a:p>
             <a:pPr lvl="2"/>
             <a:r>
-              <a:rPr lang="de-DE" smtClean="0"/>
+              <a:rPr lang="de-DE"/>
               <a:t>Dritte Ebene</a:t>
             </a:r>
           </a:p>
           <a:p>
             <a:pPr lvl="3"/>
             <a:r>
-              <a:rPr lang="de-DE" smtClean="0"/>
+              <a:rPr lang="de-DE"/>
               <a:t>Vierte Ebene</a:t>
             </a:r>
           </a:p>
           <a:p>
             <a:pPr lvl="4"/>
             <a:r>
-              <a:rPr lang="de-DE" smtClean="0"/>
+              <a:rPr lang="de-DE"/>
               <a:t>Fünfte Ebene</a:t>
             </a:r>
             <a:endParaRPr lang="de-CH"/>
@@ -516,7 +521,7 @@
           <a:lstStyle/>
           <a:p>
             <a:r>
-              <a:rPr lang="de-DE" smtClean="0"/>
+              <a:rPr lang="de-DE"/>
               <a:t>Titelmasterformat durch Klicken bearbeiten</a:t>
             </a:r>
             <a:endParaRPr lang="de-CH"/>
@@ -545,35 +550,35 @@
           <a:p>
             <a:pPr lvl="0"/>
             <a:r>
-              <a:rPr lang="de-DE" smtClean="0"/>
+              <a:rPr lang="de-DE"/>
               <a:t>Formatvorlagen des Textmasters bearbeiten</a:t>
             </a:r>
           </a:p>
           <a:p>
             <a:pPr lvl="1"/>
             <a:r>
-              <a:rPr lang="de-DE" smtClean="0"/>
+              <a:rPr lang="de-DE"/>
               <a:t>Zweite Ebene</a:t>
             </a:r>
           </a:p>
           <a:p>
             <a:pPr lvl="2"/>
             <a:r>
-              <a:rPr lang="de-DE" smtClean="0"/>
+              <a:rPr lang="de-DE"/>
               <a:t>Dritte Ebene</a:t>
             </a:r>
           </a:p>
           <a:p>
             <a:pPr lvl="3"/>
             <a:r>
-              <a:rPr lang="de-DE" smtClean="0"/>
+              <a:rPr lang="de-DE"/>
               <a:t>Vierte Ebene</a:t>
             </a:r>
           </a:p>
           <a:p>
             <a:pPr lvl="4"/>
             <a:r>
-              <a:rPr lang="de-DE" smtClean="0"/>
+              <a:rPr lang="de-DE"/>
               <a:t>Fünfte Ebene</a:t>
             </a:r>
             <a:endParaRPr lang="de-CH"/>
@@ -691,7 +696,7 @@
           <a:lstStyle/>
           <a:p>
             <a:r>
-              <a:rPr lang="de-DE" smtClean="0"/>
+              <a:rPr lang="de-DE"/>
               <a:t>Titelmasterformat durch Klicken bearbeiten</a:t>
             </a:r>
             <a:endParaRPr lang="de-CH"/>
@@ -715,35 +720,35 @@
           <a:p>
             <a:pPr lvl="0"/>
             <a:r>
-              <a:rPr lang="de-DE" smtClean="0"/>
+              <a:rPr lang="de-DE"/>
               <a:t>Formatvorlagen des Textmasters bearbeiten</a:t>
             </a:r>
           </a:p>
           <a:p>
             <a:pPr lvl="1"/>
             <a:r>
-              <a:rPr lang="de-DE" smtClean="0"/>
+              <a:rPr lang="de-DE"/>
               <a:t>Zweite Ebene</a:t>
             </a:r>
           </a:p>
           <a:p>
             <a:pPr lvl="2"/>
             <a:r>
-              <a:rPr lang="de-DE" smtClean="0"/>
+              <a:rPr lang="de-DE"/>
               <a:t>Dritte Ebene</a:t>
             </a:r>
           </a:p>
           <a:p>
             <a:pPr lvl="3"/>
             <a:r>
-              <a:rPr lang="de-DE" smtClean="0"/>
+              <a:rPr lang="de-DE"/>
               <a:t>Vierte Ebene</a:t>
             </a:r>
           </a:p>
           <a:p>
             <a:pPr lvl="4"/>
             <a:r>
-              <a:rPr lang="de-DE" smtClean="0"/>
+              <a:rPr lang="de-DE"/>
               <a:t>Fünfte Ebene</a:t>
             </a:r>
             <a:endParaRPr lang="de-CH"/>
@@ -870,7 +875,7 @@
           </a:lstStyle>
           <a:p>
             <a:r>
-              <a:rPr lang="de-DE" smtClean="0"/>
+              <a:rPr lang="de-DE"/>
               <a:t>Titelmasterformat durch Klicken bearbeiten</a:t>
             </a:r>
             <a:endParaRPr lang="de-CH"/>
@@ -990,7 +995,7 @@
           <a:p>
             <a:pPr lvl="0"/>
             <a:r>
-              <a:rPr lang="de-DE" smtClean="0"/>
+              <a:rPr lang="de-DE"/>
               <a:t>Formatvorlagen des Textmasters bearbeiten</a:t>
             </a:r>
           </a:p>
@@ -1107,7 +1112,7 @@
           <a:lstStyle/>
           <a:p>
             <a:r>
-              <a:rPr lang="de-DE" smtClean="0"/>
+              <a:rPr lang="de-DE"/>
               <a:t>Titelmasterformat durch Klicken bearbeiten</a:t>
             </a:r>
             <a:endParaRPr lang="de-CH"/>
@@ -1136,35 +1141,35 @@
           <a:p>
             <a:pPr lvl="0"/>
             <a:r>
-              <a:rPr lang="de-DE" smtClean="0"/>
+              <a:rPr lang="de-DE"/>
               <a:t>Formatvorlagen des Textmasters bearbeiten</a:t>
             </a:r>
           </a:p>
           <a:p>
             <a:pPr lvl="1"/>
             <a:r>
-              <a:rPr lang="de-DE" smtClean="0"/>
+              <a:rPr lang="de-DE"/>
               <a:t>Zweite Ebene</a:t>
             </a:r>
           </a:p>
           <a:p>
             <a:pPr lvl="2"/>
             <a:r>
-              <a:rPr lang="de-DE" smtClean="0"/>
+              <a:rPr lang="de-DE"/>
               <a:t>Dritte Ebene</a:t>
             </a:r>
           </a:p>
           <a:p>
             <a:pPr lvl="3"/>
             <a:r>
-              <a:rPr lang="de-DE" smtClean="0"/>
+              <a:rPr lang="de-DE"/>
               <a:t>Vierte Ebene</a:t>
             </a:r>
           </a:p>
           <a:p>
             <a:pPr lvl="4"/>
             <a:r>
-              <a:rPr lang="de-DE" smtClean="0"/>
+              <a:rPr lang="de-DE"/>
               <a:t>Fünfte Ebene</a:t>
             </a:r>
             <a:endParaRPr lang="de-CH"/>
@@ -1193,35 +1198,35 @@
           <a:p>
             <a:pPr lvl="0"/>
             <a:r>
-              <a:rPr lang="de-DE" smtClean="0"/>
+              <a:rPr lang="de-DE"/>
               <a:t>Formatvorlagen des Textmasters bearbeiten</a:t>
             </a:r>
           </a:p>
           <a:p>
             <a:pPr lvl="1"/>
             <a:r>
-              <a:rPr lang="de-DE" smtClean="0"/>
+              <a:rPr lang="de-DE"/>
               <a:t>Zweite Ebene</a:t>
             </a:r>
           </a:p>
           <a:p>
             <a:pPr lvl="2"/>
             <a:r>
-              <a:rPr lang="de-DE" smtClean="0"/>
+              <a:rPr lang="de-DE"/>
               <a:t>Dritte Ebene</a:t>
             </a:r>
           </a:p>
           <a:p>
             <a:pPr lvl="3"/>
             <a:r>
-              <a:rPr lang="de-DE" smtClean="0"/>
+              <a:rPr lang="de-DE"/>
               <a:t>Vierte Ebene</a:t>
             </a:r>
           </a:p>
           <a:p>
             <a:pPr lvl="4"/>
             <a:r>
-              <a:rPr lang="de-DE" smtClean="0"/>
+              <a:rPr lang="de-DE"/>
               <a:t>Fünfte Ebene</a:t>
             </a:r>
             <a:endParaRPr lang="de-CH"/>
@@ -1344,7 +1349,7 @@
           <a:lstStyle/>
           <a:p>
             <a:r>
-              <a:rPr lang="de-DE" smtClean="0"/>
+              <a:rPr lang="de-DE"/>
               <a:t>Titelmasterformat durch Klicken bearbeiten</a:t>
             </a:r>
             <a:endParaRPr lang="de-CH"/>
@@ -1410,7 +1415,7 @@
           <a:p>
             <a:pPr lvl="0"/>
             <a:r>
-              <a:rPr lang="de-DE" smtClean="0"/>
+              <a:rPr lang="de-DE"/>
               <a:t>Formatvorlagen des Textmasters bearbeiten</a:t>
             </a:r>
           </a:p>
@@ -1438,35 +1443,35 @@
           <a:p>
             <a:pPr lvl="0"/>
             <a:r>
-              <a:rPr lang="de-DE" smtClean="0"/>
+              <a:rPr lang="de-DE"/>
               <a:t>Formatvorlagen des Textmasters bearbeiten</a:t>
             </a:r>
           </a:p>
           <a:p>
             <a:pPr lvl="1"/>
             <a:r>
-              <a:rPr lang="de-DE" smtClean="0"/>
+              <a:rPr lang="de-DE"/>
               <a:t>Zweite Ebene</a:t>
             </a:r>
           </a:p>
           <a:p>
             <a:pPr lvl="2"/>
             <a:r>
-              <a:rPr lang="de-DE" smtClean="0"/>
+              <a:rPr lang="de-DE"/>
               <a:t>Dritte Ebene</a:t>
             </a:r>
           </a:p>
           <a:p>
             <a:pPr lvl="3"/>
             <a:r>
-              <a:rPr lang="de-DE" smtClean="0"/>
+              <a:rPr lang="de-DE"/>
               <a:t>Vierte Ebene</a:t>
             </a:r>
           </a:p>
           <a:p>
             <a:pPr lvl="4"/>
             <a:r>
-              <a:rPr lang="de-DE" smtClean="0"/>
+              <a:rPr lang="de-DE"/>
               <a:t>Fünfte Ebene</a:t>
             </a:r>
             <a:endParaRPr lang="de-CH"/>
@@ -1532,7 +1537,7 @@
           <a:p>
             <a:pPr lvl="0"/>
             <a:r>
-              <a:rPr lang="de-DE" smtClean="0"/>
+              <a:rPr lang="de-DE"/>
               <a:t>Formatvorlagen des Textmasters bearbeiten</a:t>
             </a:r>
           </a:p>
@@ -1560,35 +1565,35 @@
           <a:p>
             <a:pPr lvl="0"/>
             <a:r>
-              <a:rPr lang="de-DE" smtClean="0"/>
+              <a:rPr lang="de-DE"/>
               <a:t>Formatvorlagen des Textmasters bearbeiten</a:t>
             </a:r>
           </a:p>
           <a:p>
             <a:pPr lvl="1"/>
             <a:r>
-              <a:rPr lang="de-DE" smtClean="0"/>
+              <a:rPr lang="de-DE"/>
               <a:t>Zweite Ebene</a:t>
             </a:r>
           </a:p>
           <a:p>
             <a:pPr lvl="2"/>
             <a:r>
-              <a:rPr lang="de-DE" smtClean="0"/>
+              <a:rPr lang="de-DE"/>
               <a:t>Dritte Ebene</a:t>
             </a:r>
           </a:p>
           <a:p>
             <a:pPr lvl="3"/>
             <a:r>
-              <a:rPr lang="de-DE" smtClean="0"/>
+              <a:rPr lang="de-DE"/>
               <a:t>Vierte Ebene</a:t>
             </a:r>
           </a:p>
           <a:p>
             <a:pPr lvl="4"/>
             <a:r>
-              <a:rPr lang="de-DE" smtClean="0"/>
+              <a:rPr lang="de-DE"/>
               <a:t>Fünfte Ebene</a:t>
             </a:r>
             <a:endParaRPr lang="de-CH"/>
@@ -1706,7 +1711,7 @@
           <a:lstStyle/>
           <a:p>
             <a:r>
-              <a:rPr lang="de-DE" smtClean="0"/>
+              <a:rPr lang="de-DE"/>
               <a:t>Titelmasterformat durch Klicken bearbeiten</a:t>
             </a:r>
             <a:endParaRPr lang="de-CH"/>
@@ -1928,7 +1933,7 @@
           </a:lstStyle>
           <a:p>
             <a:r>
-              <a:rPr lang="de-DE" smtClean="0"/>
+              <a:rPr lang="de-DE"/>
               <a:t>Titelmasterformat durch Klicken bearbeiten</a:t>
             </a:r>
             <a:endParaRPr lang="de-CH"/>
@@ -1985,35 +1990,35 @@
           <a:p>
             <a:pPr lvl="0"/>
             <a:r>
-              <a:rPr lang="de-DE" smtClean="0"/>
+              <a:rPr lang="de-DE"/>
               <a:t>Formatvorlagen des Textmasters bearbeiten</a:t>
             </a:r>
           </a:p>
           <a:p>
             <a:pPr lvl="1"/>
             <a:r>
-              <a:rPr lang="de-DE" smtClean="0"/>
+              <a:rPr lang="de-DE"/>
               <a:t>Zweite Ebene</a:t>
             </a:r>
           </a:p>
           <a:p>
             <a:pPr lvl="2"/>
             <a:r>
-              <a:rPr lang="de-DE" smtClean="0"/>
+              <a:rPr lang="de-DE"/>
               <a:t>Dritte Ebene</a:t>
             </a:r>
           </a:p>
           <a:p>
             <a:pPr lvl="3"/>
             <a:r>
-              <a:rPr lang="de-DE" smtClean="0"/>
+              <a:rPr lang="de-DE"/>
               <a:t>Vierte Ebene</a:t>
             </a:r>
           </a:p>
           <a:p>
             <a:pPr lvl="4"/>
             <a:r>
-              <a:rPr lang="de-DE" smtClean="0"/>
+              <a:rPr lang="de-DE"/>
               <a:t>Fünfte Ebene</a:t>
             </a:r>
             <a:endParaRPr lang="de-CH"/>
@@ -2079,7 +2084,7 @@
           <a:p>
             <a:pPr lvl="0"/>
             <a:r>
-              <a:rPr lang="de-DE" smtClean="0"/>
+              <a:rPr lang="de-DE"/>
               <a:t>Formatvorlagen des Textmasters bearbeiten</a:t>
             </a:r>
           </a:p>
@@ -2205,7 +2210,7 @@
           </a:lstStyle>
           <a:p>
             <a:r>
-              <a:rPr lang="de-DE" smtClean="0"/>
+              <a:rPr lang="de-DE"/>
               <a:t>Titelmasterformat durch Klicken bearbeiten</a:t>
             </a:r>
             <a:endParaRPr lang="de-CH"/>
@@ -2332,7 +2337,7 @@
           <a:p>
             <a:pPr lvl="0"/>
             <a:r>
-              <a:rPr lang="de-DE" smtClean="0"/>
+              <a:rPr lang="de-DE"/>
               <a:t>Formatvorlagen des Textmasters bearbeiten</a:t>
             </a:r>
           </a:p>
@@ -2464,7 +2469,7 @@
           <a:lstStyle/>
           <a:p>
             <a:r>
-              <a:rPr lang="de-DE" smtClean="0"/>
+              <a:rPr lang="de-DE"/>
               <a:t>Titelmasterformat durch Klicken bearbeiten</a:t>
             </a:r>
             <a:endParaRPr lang="de-CH"/>
@@ -2498,35 +2503,35 @@
           <a:p>
             <a:pPr lvl="0"/>
             <a:r>
-              <a:rPr lang="de-DE" smtClean="0"/>
+              <a:rPr lang="de-DE"/>
               <a:t>Formatvorlagen des Textmasters bearbeiten</a:t>
             </a:r>
           </a:p>
           <a:p>
             <a:pPr lvl="1"/>
             <a:r>
-              <a:rPr lang="de-DE" smtClean="0"/>
+              <a:rPr lang="de-DE"/>
               <a:t>Zweite Ebene</a:t>
             </a:r>
           </a:p>
           <a:p>
             <a:pPr lvl="2"/>
             <a:r>
-              <a:rPr lang="de-DE" smtClean="0"/>
+              <a:rPr lang="de-DE"/>
               <a:t>Dritte Ebene</a:t>
             </a:r>
           </a:p>
           <a:p>
             <a:pPr lvl="3"/>
             <a:r>
-              <a:rPr lang="de-DE" smtClean="0"/>
+              <a:rPr lang="de-DE"/>
               <a:t>Vierte Ebene</a:t>
             </a:r>
           </a:p>
           <a:p>
             <a:pPr lvl="4"/>
             <a:r>
-              <a:rPr lang="de-DE" smtClean="0"/>
+              <a:rPr lang="de-DE"/>
               <a:t>Fünfte Ebene</a:t>
             </a:r>
             <a:endParaRPr lang="de-CH"/>
@@ -2989,10 +2994,9 @@
           <a:lstStyle/>
           <a:p>
             <a:r>
-              <a:rPr lang="de-CH" dirty="0" smtClean="0"/>
+              <a:rPr lang="de-CH" dirty="0"/>
               <a:t>Lineare Funktion</a:t>
             </a:r>
-            <a:endParaRPr lang="de-CH" dirty="0"/>
           </a:p>
         </p:txBody>
       </p:sp>
@@ -3012,14 +3016,53 @@
           <a:lstStyle/>
           <a:p>
             <a:r>
-              <a:rPr lang="de-CH" dirty="0" err="1" smtClean="0"/>
+              <a:rPr lang="de-CH" dirty="0" err="1"/>
               <a:t>Uebungen</a:t>
             </a:r>
             <a:r>
-              <a:rPr lang="de-CH" dirty="0" smtClean="0"/>
+              <a:rPr lang="de-CH" dirty="0"/>
               <a:t> / Test</a:t>
             </a:r>
-            <a:endParaRPr lang="de-CH" dirty="0"/>
+          </a:p>
+        </p:txBody>
+      </p:sp>
+      <p:sp>
+        <p:nvSpPr>
+          <p:cNvPr id="5" name="Textfeld 4">
+            <a:extLst>
+              <a:ext uri="{FF2B5EF4-FFF2-40B4-BE49-F238E27FC236}">
+                <a16:creationId xmlns:a16="http://schemas.microsoft.com/office/drawing/2014/main" id="{AE7D6BFF-9A40-B781-A371-49385109F7D6}"/>
+              </a:ext>
+            </a:extLst>
+          </p:cNvPr>
+          <p:cNvSpPr txBox="1"/>
+          <p:nvPr/>
+        </p:nvSpPr>
+        <p:spPr>
+          <a:xfrm>
+            <a:off x="717114" y="5735637"/>
+            <a:ext cx="11107455" cy="261610"/>
+          </a:xfrm>
+          <a:prstGeom prst="rect">
+            <a:avLst/>
+          </a:prstGeom>
+          <a:noFill/>
+        </p:spPr>
+        <p:txBody>
+          <a:bodyPr wrap="square">
+            <a:spAutoFit/>
+          </a:bodyPr>
+          <a:lstStyle/>
+          <a:p>
+            <a:r>
+              <a:rPr lang="de-CH" sz="1100" dirty="0"/>
+              <a:t>https://raw.githubusercontent.com/walter-rothlin/Source-Code/master/SchulungsUnterlagen</a:t>
+            </a:r>
+            <a:r>
+              <a:rPr lang="de-CH" sz="1100"/>
+              <a:t>/BZU/Lineare_Funktion_Uebungen.pptx</a:t>
+            </a:r>
+            <a:endParaRPr lang="de-CH" sz="1100" dirty="0"/>
           </a:p>
         </p:txBody>
       </p:sp>
@@ -3033,13 +3076,6 @@
   <p:clrMapOvr>
     <a:masterClrMapping/>
   </p:clrMapOvr>
-  <p:timing>
-    <p:tnLst>
-      <p:par>
-        <p:cTn id="1" dur="indefinite" restart="never" nodeType="tmRoot"/>
-      </p:par>
-    </p:tnLst>
-  </p:timing>
 </p:sld>
 </file>
 
@@ -3076,10 +3112,9 @@
           <a:lstStyle/>
           <a:p>
             <a:r>
-              <a:rPr lang="de-CH" dirty="0" smtClean="0"/>
+              <a:rPr lang="de-CH" dirty="0"/>
               <a:t>Angewandte Aufgabe</a:t>
             </a:r>
-            <a:endParaRPr lang="de-CH" dirty="0"/>
           </a:p>
         </p:txBody>
       </p:sp>
@@ -3182,10 +3217,9 @@
           <a:lstStyle/>
           <a:p>
             <a:r>
-              <a:rPr lang="de-CH" dirty="0" smtClean="0"/>
+              <a:rPr lang="de-CH" dirty="0"/>
               <a:t>(0/0)</a:t>
             </a:r>
-            <a:endParaRPr lang="de-CH" dirty="0"/>
           </a:p>
         </p:txBody>
       </p:sp>
@@ -3212,10 +3246,9 @@
           <a:lstStyle/>
           <a:p>
             <a:r>
-              <a:rPr lang="de-CH" dirty="0" smtClean="0"/>
+              <a:rPr lang="de-CH" dirty="0"/>
               <a:t>(177/0)</a:t>
             </a:r>
-            <a:endParaRPr lang="de-CH" dirty="0"/>
           </a:p>
         </p:txBody>
       </p:sp>
@@ -3242,10 +3275,9 @@
           <a:lstStyle/>
           <a:p>
             <a:r>
-              <a:rPr lang="de-CH" dirty="0" smtClean="0"/>
+              <a:rPr lang="de-CH" dirty="0"/>
               <a:t>(177/127)</a:t>
             </a:r>
-            <a:endParaRPr lang="de-CH" dirty="0"/>
           </a:p>
         </p:txBody>
       </p:sp>
@@ -3272,10 +3304,9 @@
           <a:lstStyle/>
           <a:p>
             <a:r>
-              <a:rPr lang="de-CH" dirty="0" smtClean="0"/>
+              <a:rPr lang="de-CH" dirty="0"/>
               <a:t>(0/127)</a:t>
             </a:r>
-            <a:endParaRPr lang="de-CH" dirty="0"/>
           </a:p>
         </p:txBody>
       </p:sp>
@@ -3302,10 +3333,9 @@
           <a:lstStyle/>
           <a:p>
             <a:r>
-              <a:rPr lang="de-CH" dirty="0" smtClean="0"/>
+              <a:rPr lang="de-CH" dirty="0"/>
               <a:t>(0/64)</a:t>
             </a:r>
-            <a:endParaRPr lang="de-CH" dirty="0"/>
           </a:p>
         </p:txBody>
       </p:sp>
@@ -3332,10 +3362,9 @@
           <a:lstStyle/>
           <a:p>
             <a:r>
-              <a:rPr lang="de-CH" dirty="0" smtClean="0"/>
+              <a:rPr lang="de-CH" dirty="0"/>
               <a:t>(88/0)</a:t>
             </a:r>
-            <a:endParaRPr lang="de-CH" dirty="0"/>
           </a:p>
         </p:txBody>
       </p:sp>
@@ -3378,13 +3407,6 @@
   <p:clrMapOvr>
     <a:masterClrMapping/>
   </p:clrMapOvr>
-  <p:timing>
-    <p:tnLst>
-      <p:par>
-        <p:cTn id="1" dur="indefinite" restart="never" nodeType="tmRoot"/>
-      </p:par>
-    </p:tnLst>
-  </p:timing>
 </p:sld>
 </file>
 
@@ -3421,10 +3443,9 @@
           <a:lstStyle/>
           <a:p>
             <a:r>
-              <a:rPr lang="de-CH" dirty="0" smtClean="0"/>
+              <a:rPr lang="de-CH" dirty="0"/>
               <a:t>Berechnen Sie die Parameter der lin. Funktion</a:t>
             </a:r>
-            <a:endParaRPr lang="de-CH" dirty="0"/>
           </a:p>
         </p:txBody>
       </p:sp>
@@ -3477,32 +3498,23 @@
               <a:rPr lang="de-CH" b="1" dirty="0"/>
               <a:t> </a:t>
             </a:r>
-            <a:r>
-              <a:rPr lang="de-CH" b="1" dirty="0" smtClean="0"/>
-              <a:t/>
-            </a:r>
             <a:br>
-              <a:rPr lang="de-CH" b="1" dirty="0" smtClean="0"/>
+              <a:rPr lang="de-CH" b="1" dirty="0"/>
             </a:br>
-            <a:r>
-              <a:rPr lang="de-CH" b="1" dirty="0" smtClean="0"/>
-              <a:t/>
-            </a:r>
             <a:br>
-              <a:rPr lang="de-CH" b="1" dirty="0" smtClean="0"/>
+              <a:rPr lang="de-CH" b="1" dirty="0"/>
             </a:br>
             <a:r>
-              <a:rPr lang="de-CH" dirty="0" smtClean="0"/>
+              <a:rPr lang="de-CH" dirty="0"/>
               <a:t>Machen Sie eine Skizze und schätzen Sie die Steigung und den </a:t>
             </a:r>
             <a:br>
-              <a:rPr lang="de-CH" dirty="0" smtClean="0"/>
+              <a:rPr lang="de-CH" dirty="0"/>
             </a:br>
             <a:r>
-              <a:rPr lang="de-CH" dirty="0" smtClean="0"/>
+              <a:rPr lang="de-CH" dirty="0"/>
               <a:t>y-Achsenabschnitt ab.</a:t>
             </a:r>
-            <a:endParaRPr lang="de-CH" dirty="0"/>
           </a:p>
           <a:p>
             <a:pPr marL="0" indent="0">
@@ -3669,10 +3681,9 @@
             <a:lstStyle/>
             <a:p>
               <a:r>
-                <a:rPr lang="de-CH" dirty="0" smtClean="0"/>
+                <a:rPr lang="de-CH" dirty="0"/>
                 <a:t>-5</a:t>
               </a:r>
-              <a:endParaRPr lang="de-CH" dirty="0"/>
             </a:p>
           </p:txBody>
         </p:sp>
@@ -3699,10 +3710,9 @@
             <a:lstStyle/>
             <a:p>
               <a:r>
-                <a:rPr lang="de-CH" dirty="0" smtClean="0"/>
+                <a:rPr lang="de-CH" dirty="0"/>
                 <a:t>-3</a:t>
               </a:r>
-              <a:endParaRPr lang="de-CH" dirty="0"/>
             </a:p>
           </p:txBody>
         </p:sp>
@@ -3758,10 +3768,9 @@
             <a:lstStyle/>
             <a:p>
               <a:r>
-                <a:rPr lang="de-CH" dirty="0" smtClean="0"/>
+                <a:rPr lang="de-CH" dirty="0"/>
                 <a:t>-6</a:t>
               </a:r>
-              <a:endParaRPr lang="de-CH" dirty="0"/>
             </a:p>
           </p:txBody>
         </p:sp>
@@ -3965,24 +3974,23 @@
           <a:lstStyle/>
           <a:p>
             <a:r>
-              <a:rPr lang="de-CH" dirty="0" smtClean="0"/>
+              <a:rPr lang="de-CH" dirty="0"/>
               <a:t>Steigung: </a:t>
             </a:r>
             <a:r>
-              <a:rPr lang="de-CH" b="1" dirty="0" smtClean="0"/>
+              <a:rPr lang="de-CH" b="1" dirty="0"/>
               <a:t>Negativ</a:t>
             </a:r>
           </a:p>
           <a:p>
             <a:r>
-              <a:rPr lang="de-CH" dirty="0" smtClean="0"/>
+              <a:rPr lang="de-CH" dirty="0"/>
               <a:t>Y-Achsenabschnitt: </a:t>
             </a:r>
             <a:r>
-              <a:rPr lang="de-CH" b="1" dirty="0" smtClean="0"/>
+              <a:rPr lang="de-CH" b="1" dirty="0"/>
               <a:t>Negativ</a:t>
             </a:r>
-            <a:endParaRPr lang="de-CH" b="1" dirty="0"/>
           </a:p>
         </p:txBody>
       </p:sp>
@@ -4155,10 +4163,9 @@
           <a:lstStyle/>
           <a:p>
             <a:r>
-              <a:rPr lang="de-CH" dirty="0" smtClean="0"/>
+              <a:rPr lang="de-CH" dirty="0"/>
               <a:t>Berechnen Sie die Parameter der lin. Funktion</a:t>
             </a:r>
-            <a:endParaRPr lang="de-CH" dirty="0"/>
           </a:p>
         </p:txBody>
       </p:sp>
@@ -4209,20 +4216,12 @@
               <a:rPr lang="de-CH" b="1" dirty="0"/>
               <a:t> </a:t>
             </a:r>
-            <a:r>
-              <a:rPr lang="de-CH" b="1" dirty="0" smtClean="0"/>
-              <a:t/>
-            </a:r>
             <a:br>
-              <a:rPr lang="de-CH" b="1" dirty="0" smtClean="0"/>
+              <a:rPr lang="de-CH" b="1" dirty="0"/>
             </a:br>
             <a:r>
-              <a:rPr lang="de-CH" dirty="0" smtClean="0"/>
-              <a:t>1) Berechnen </a:t>
-            </a:r>
-            <a:r>
               <a:rPr lang="de-CH" dirty="0"/>
-              <a:t>Sie </a:t>
+              <a:t>1) Berechnen Sie </a:t>
             </a:r>
             <a:r>
               <a:rPr lang="de-CH" b="1" dirty="0"/>
@@ -4238,18 +4237,14 @@
             </a:r>
             <a:r>
               <a:rPr lang="de-CH" dirty="0"/>
-              <a:t> der linearen Funktion </a:t>
-            </a:r>
-            <a:r>
-              <a:rPr lang="de-CH" dirty="0" smtClean="0"/>
-              <a:t>y=</a:t>
-            </a:r>
-            <a:r>
-              <a:rPr lang="de-CH" dirty="0" err="1" smtClean="0"/>
+              <a:t> der linearen Funktion y=</a:t>
+            </a:r>
+            <a:r>
+              <a:rPr lang="de-CH" dirty="0" err="1"/>
               <a:t>mx+q</a:t>
             </a:r>
             <a:r>
-              <a:rPr lang="de-CH" dirty="0" smtClean="0"/>
+              <a:rPr lang="de-CH" dirty="0"/>
               <a:t>?</a:t>
             </a:r>
           </a:p>
@@ -4258,10 +4253,9 @@
               <a:buNone/>
             </a:pPr>
             <a:r>
-              <a:rPr lang="de-CH" dirty="0" smtClean="0"/>
+              <a:rPr lang="de-CH" dirty="0"/>
               <a:t>2) Berechnen Sie den Funktionswert für x=2?</a:t>
             </a:r>
-            <a:endParaRPr lang="de-CH" dirty="0"/>
           </a:p>
           <a:p>
             <a:pPr marL="0" indent="0">
@@ -4310,13 +4304,6 @@
   <p:clrMapOvr>
     <a:masterClrMapping/>
   </p:clrMapOvr>
-  <p:timing>
-    <p:tnLst>
-      <p:par>
-        <p:cTn id="1" dur="indefinite" restart="never" nodeType="tmRoot"/>
-      </p:par>
-    </p:tnLst>
-  </p:timing>
 </p:sld>
 </file>
 
@@ -4353,10 +4340,9 @@
           <a:lstStyle/>
           <a:p>
             <a:r>
-              <a:rPr lang="de-CH" dirty="0" smtClean="0"/>
+              <a:rPr lang="de-CH" dirty="0"/>
               <a:t>Berechnen Sie die Parameter der lin. Funktion</a:t>
             </a:r>
-            <a:endParaRPr lang="de-CH" dirty="0"/>
           </a:p>
         </p:txBody>
       </p:sp>
@@ -4389,37 +4375,25 @@
               <a:rPr lang="de-CH" dirty="0"/>
               <a:t>Eine Gerade schneidet die y-Achse bei -3 und geht durch den Punkt </a:t>
             </a:r>
-            <a:r>
-              <a:rPr lang="de-CH" dirty="0" smtClean="0"/>
-              <a:t/>
-            </a:r>
             <a:br>
-              <a:rPr lang="de-CH" dirty="0" smtClean="0"/>
+              <a:rPr lang="de-CH" dirty="0"/>
             </a:br>
             <a:r>
-              <a:rPr lang="de-CH" dirty="0" smtClean="0"/>
-              <a:t>P1(5</a:t>
-            </a:r>
-            <a:r>
               <a:rPr lang="de-CH" dirty="0"/>
-              <a:t>/-8</a:t>
-            </a:r>
-            <a:r>
-              <a:rPr lang="de-CH" dirty="0" smtClean="0"/>
-              <a:t>).</a:t>
+              <a:t>P1(5/-8).</a:t>
             </a:r>
             <a:br>
-              <a:rPr lang="de-CH" dirty="0" smtClean="0"/>
+              <a:rPr lang="de-CH" dirty="0"/>
             </a:br>
             <a:r>
-              <a:rPr lang="de-CH" dirty="0" smtClean="0"/>
+              <a:rPr lang="de-CH" dirty="0"/>
               <a:t>Machen Sie eine Skizze und schätzen Sie die Steigung und den </a:t>
             </a:r>
             <a:br>
-              <a:rPr lang="de-CH" dirty="0" smtClean="0"/>
+              <a:rPr lang="de-CH" dirty="0"/>
             </a:br>
             <a:r>
-              <a:rPr lang="de-CH" dirty="0" smtClean="0"/>
+              <a:rPr lang="de-CH" dirty="0"/>
               <a:t>y-Achsenabschnitt ab.</a:t>
             </a:r>
           </a:p>
@@ -4496,10 +4470,9 @@
             <a:lstStyle/>
             <a:p>
               <a:r>
-                <a:rPr lang="de-CH" dirty="0" smtClean="0"/>
+                <a:rPr lang="de-CH" dirty="0"/>
                 <a:t>-3</a:t>
               </a:r>
-              <a:endParaRPr lang="de-CH" dirty="0"/>
             </a:p>
           </p:txBody>
         </p:sp>
@@ -4692,10 +4665,9 @@
             <a:lstStyle/>
             <a:p>
               <a:r>
-                <a:rPr lang="de-CH" dirty="0" smtClean="0"/>
+                <a:rPr lang="de-CH" dirty="0"/>
                 <a:t>-8</a:t>
               </a:r>
-              <a:endParaRPr lang="de-CH" dirty="0"/>
             </a:p>
           </p:txBody>
         </p:sp>
@@ -4752,10 +4724,9 @@
             <a:lstStyle/>
             <a:p>
               <a:r>
-                <a:rPr lang="de-CH" dirty="0" smtClean="0"/>
+                <a:rPr lang="de-CH" dirty="0"/>
                 <a:t>-5</a:t>
               </a:r>
-              <a:endParaRPr lang="de-CH" dirty="0"/>
             </a:p>
           </p:txBody>
         </p:sp>
@@ -4783,24 +4754,23 @@
           <a:lstStyle/>
           <a:p>
             <a:r>
-              <a:rPr lang="de-CH" dirty="0" smtClean="0"/>
+              <a:rPr lang="de-CH" dirty="0"/>
               <a:t>Steigung: </a:t>
             </a:r>
             <a:r>
-              <a:rPr lang="de-CH" b="1" dirty="0" smtClean="0"/>
+              <a:rPr lang="de-CH" b="1" dirty="0"/>
               <a:t>Negativ</a:t>
             </a:r>
           </a:p>
           <a:p>
             <a:r>
-              <a:rPr lang="de-CH" dirty="0" smtClean="0"/>
+              <a:rPr lang="de-CH" dirty="0"/>
               <a:t>Y-Achsenabschnitt: </a:t>
             </a:r>
             <a:r>
-              <a:rPr lang="de-CH" b="1" dirty="0" smtClean="0"/>
+              <a:rPr lang="de-CH" b="1" dirty="0"/>
               <a:t>Negativ</a:t>
             </a:r>
-            <a:endParaRPr lang="de-CH" b="1" dirty="0"/>
           </a:p>
         </p:txBody>
       </p:sp>
@@ -4973,10 +4943,9 @@
           <a:lstStyle/>
           <a:p>
             <a:r>
-              <a:rPr lang="de-CH" dirty="0" smtClean="0"/>
+              <a:rPr lang="de-CH" dirty="0"/>
               <a:t>Berechnen Sie die Parameter der lin. Funktion</a:t>
             </a:r>
-            <a:endParaRPr lang="de-CH" dirty="0"/>
           </a:p>
         </p:txBody>
       </p:sp>
@@ -5009,36 +4978,23 @@
               <a:rPr lang="de-CH" dirty="0"/>
               <a:t>Eine Gerade schneidet die y-Achse bei -3 und geht durch den Punkt </a:t>
             </a:r>
-            <a:r>
-              <a:rPr lang="de-CH" dirty="0" smtClean="0"/>
-              <a:t/>
-            </a:r>
             <a:br>
-              <a:rPr lang="de-CH" dirty="0" smtClean="0"/>
+              <a:rPr lang="de-CH" dirty="0"/>
             </a:br>
             <a:r>
-              <a:rPr lang="de-CH" dirty="0" smtClean="0"/>
-              <a:t>P1(5</a:t>
-            </a:r>
-            <a:r>
               <a:rPr lang="de-CH" dirty="0"/>
-              <a:t>/-8). </a:t>
-            </a:r>
-            <a:endParaRPr lang="de-CH" dirty="0" smtClean="0"/>
+              <a:t>P1(5/-8). </a:t>
+            </a:r>
           </a:p>
           <a:p>
             <a:pPr marL="0" lvl="0" indent="0">
               <a:buNone/>
             </a:pPr>
-            <a:r>
-              <a:rPr lang="de-CH" dirty="0" smtClean="0"/>
-              <a:t/>
-            </a:r>
             <a:br>
-              <a:rPr lang="de-CH" dirty="0" smtClean="0"/>
+              <a:rPr lang="de-CH" dirty="0"/>
             </a:br>
             <a:r>
-              <a:rPr lang="de-CH" dirty="0" smtClean="0"/>
+              <a:rPr lang="de-CH" dirty="0"/>
               <a:t>1) Berechnen Sie die Parameter der linearen Funktion?</a:t>
             </a:r>
           </a:p>
@@ -5047,12 +5003,8 @@
               <a:buNone/>
             </a:pPr>
             <a:r>
-              <a:rPr lang="de-CH" dirty="0" smtClean="0"/>
-              <a:t>2) Was </a:t>
-            </a:r>
-            <a:r>
               <a:rPr lang="de-CH" dirty="0"/>
-              <a:t>hat der Punkt P2 für eine x-Koordinate, wenn dieser bei y=10 liegt?</a:t>
+              <a:t>2) Was hat der Punkt P2 für eine x-Koordinate, wenn dieser bei y=10 liegt?</a:t>
             </a:r>
           </a:p>
           <a:p>
@@ -5102,13 +5054,6 @@
   <p:clrMapOvr>
     <a:masterClrMapping/>
   </p:clrMapOvr>
-  <p:timing>
-    <p:tnLst>
-      <p:par>
-        <p:cTn id="1" dur="indefinite" restart="never" nodeType="tmRoot"/>
-      </p:par>
-    </p:tnLst>
-  </p:timing>
 </p:sld>
 </file>
 
@@ -5145,18 +5090,9 @@
           <a:lstStyle/>
           <a:p>
             <a:r>
-              <a:rPr lang="de-CH" dirty="0" smtClean="0"/>
-              <a:t>Angewandte </a:t>
-            </a:r>
-            <a:r>
               <a:rPr lang="de-CH" dirty="0"/>
-              <a:t>A</a:t>
-            </a:r>
-            <a:r>
-              <a:rPr lang="de-CH" dirty="0" smtClean="0"/>
-              <a:t>ufgabe</a:t>
-            </a:r>
-            <a:endParaRPr lang="de-CH" dirty="0"/>
+              <a:t>Angewandte Aufgabe</a:t>
+            </a:r>
           </a:p>
         </p:txBody>
       </p:sp>
@@ -5187,13 +5123,8 @@
             </a:pPr>
             <a:r>
               <a:rPr lang="de-CH" dirty="0"/>
-              <a:t>Wie sehe die linearen Funktionen aus, welche Sie programmieren müssen, wenn Sie einen Kreis durch eine ¾ Drehung von unteren linken Ecken zum rechten oberen Ecken bewegen müssen</a:t>
-            </a:r>
-            <a:r>
-              <a:rPr lang="de-CH" dirty="0" smtClean="0"/>
-              <a:t>?</a:t>
-            </a:r>
-            <a:endParaRPr lang="de-CH" dirty="0"/>
+              <a:t>Wie sehe die linearen Funktionen aus, welche Sie programmieren müssen, wenn Sie einen Kreis durch eine ¾ Drehung von unteren linken Ecken zum rechten oberen Ecken bewegen müssen?</a:t>
+            </a:r>
           </a:p>
           <a:p>
             <a:pPr marL="0" indent="0">
@@ -5421,11 +5352,11 @@
               <a:buNone/>
             </a:pPr>
             <a:r>
-              <a:rPr lang="de-CH" dirty="0" err="1" smtClean="0"/>
+              <a:rPr lang="de-CH" dirty="0" err="1"/>
               <a:t>xKorr</a:t>
             </a:r>
             <a:r>
-              <a:rPr lang="de-CH" dirty="0" smtClean="0"/>
+              <a:rPr lang="de-CH" dirty="0"/>
               <a:t> = f(Drehwinkel) = m1 * Drehwinkel + q1</a:t>
             </a:r>
           </a:p>
@@ -5435,17 +5366,12 @@
             </a:pPr>
             <a:r>
               <a:rPr lang="de-CH" dirty="0" err="1"/>
-              <a:t>y</a:t>
-            </a:r>
-            <a:r>
-              <a:rPr lang="de-CH" dirty="0" err="1" smtClean="0"/>
-              <a:t>Korr</a:t>
-            </a:r>
-            <a:r>
-              <a:rPr lang="de-CH" dirty="0" smtClean="0"/>
+              <a:t>yKorr</a:t>
+            </a:r>
+            <a:r>
+              <a:rPr lang="de-CH" dirty="0"/>
               <a:t> = f(Drehwinkel) = m2 * Drehwinkel + q2</a:t>
             </a:r>
-            <a:endParaRPr lang="de-CH" dirty="0"/>
           </a:p>
         </p:txBody>
       </p:sp>
@@ -5459,13 +5385,6 @@
   <p:clrMapOvr>
     <a:masterClrMapping/>
   </p:clrMapOvr>
-  <p:timing>
-    <p:tnLst>
-      <p:par>
-        <p:cTn id="1" dur="indefinite" restart="never" nodeType="tmRoot"/>
-      </p:par>
-    </p:tnLst>
-  </p:timing>
 </p:sld>
 </file>
 
@@ -5502,10 +5421,9 @@
           <a:lstStyle/>
           <a:p>
             <a:r>
-              <a:rPr lang="de-CH" dirty="0" smtClean="0"/>
+              <a:rPr lang="de-CH" dirty="0"/>
               <a:t>Angewandte Aufgabe</a:t>
             </a:r>
-            <a:endParaRPr lang="de-CH" dirty="0"/>
           </a:p>
         </p:txBody>
       </p:sp>
@@ -5727,11 +5645,11 @@
               <a:buNone/>
             </a:pPr>
             <a:r>
-              <a:rPr lang="de-CH" dirty="0" err="1" smtClean="0"/>
+              <a:rPr lang="de-CH" dirty="0" err="1"/>
               <a:t>xKorr</a:t>
             </a:r>
             <a:r>
-              <a:rPr lang="de-CH" dirty="0" smtClean="0"/>
+              <a:rPr lang="de-CH" dirty="0"/>
               <a:t> = f(Drehwinkel) = m1 * Drehwinkel + q1</a:t>
             </a:r>
           </a:p>
@@ -5741,17 +5659,12 @@
             </a:pPr>
             <a:r>
               <a:rPr lang="de-CH" dirty="0" err="1"/>
-              <a:t>y</a:t>
-            </a:r>
-            <a:r>
-              <a:rPr lang="de-CH" dirty="0" err="1" smtClean="0"/>
-              <a:t>Korr</a:t>
-            </a:r>
-            <a:r>
-              <a:rPr lang="de-CH" dirty="0" smtClean="0"/>
+              <a:t>yKorr</a:t>
+            </a:r>
+            <a:r>
+              <a:rPr lang="de-CH" dirty="0"/>
               <a:t> = f(Drehwinkel) = m2 * Drehwinkel + q2</a:t>
             </a:r>
-            <a:endParaRPr lang="de-CH" dirty="0"/>
           </a:p>
         </p:txBody>
       </p:sp>
@@ -5945,73 +5858,25 @@
               <a:buNone/>
             </a:pPr>
             <a:r>
-              <a:rPr lang="de-CH" dirty="0" err="1" smtClean="0"/>
+              <a:rPr lang="de-CH" dirty="0" err="1"/>
               <a:t>xKorr</a:t>
             </a:r>
             <a:r>
-              <a:rPr lang="de-CH" dirty="0" smtClean="0"/>
+              <a:rPr lang="de-CH" dirty="0"/>
               <a:t>: P1(0/0) 	P2(270/177)  </a:t>
             </a:r>
             <a:br>
-              <a:rPr lang="de-CH" dirty="0" smtClean="0"/>
+              <a:rPr lang="de-CH" dirty="0"/>
             </a:br>
             <a:r>
-              <a:rPr lang="de-CH" dirty="0" smtClean="0"/>
+              <a:rPr lang="de-CH" dirty="0"/>
               <a:t>=&gt; </a:t>
             </a:r>
             <a:r>
-              <a:rPr lang="de-CH" dirty="0" smtClean="0">
+              <a:rPr lang="de-CH" dirty="0">
                 <a:latin typeface="Consolas" panose="020B0609020204030204" pitchFamily="49" charset="0"/>
               </a:rPr>
               <a:t>m1=(177-0)/(270-0) = 0.656</a:t>
-            </a:r>
-            <a:br>
-              <a:rPr lang="de-CH" dirty="0" smtClean="0">
-                <a:latin typeface="Consolas" panose="020B0609020204030204" pitchFamily="49" charset="0"/>
-              </a:rPr>
-            </a:br>
-            <a:r>
-              <a:rPr lang="de-CH" dirty="0" smtClean="0">
-                <a:latin typeface="Consolas" panose="020B0609020204030204" pitchFamily="49" charset="0"/>
-              </a:rPr>
-              <a:t>  q1=0</a:t>
-            </a:r>
-          </a:p>
-          <a:p>
-            <a:pPr marL="0" indent="0">
-              <a:buNone/>
-            </a:pPr>
-            <a:endParaRPr lang="de-CH" dirty="0" smtClean="0"/>
-          </a:p>
-          <a:p>
-            <a:pPr marL="0" indent="0">
-              <a:buNone/>
-            </a:pPr>
-            <a:r>
-              <a:rPr lang="de-CH" dirty="0" err="1" smtClean="0"/>
-              <a:t>yKorr</a:t>
-            </a:r>
-            <a:r>
-              <a:rPr lang="de-CH" dirty="0" smtClean="0"/>
-              <a:t>: P1(0/127)	P2(270/0)</a:t>
-            </a:r>
-          </a:p>
-          <a:p>
-            <a:pPr>
-              <a:buFont typeface="Symbol" panose="05050102010706020507" pitchFamily="18" charset="2"/>
-              <a:buChar char="Þ"/>
-            </a:pPr>
-            <a:r>
-              <a:rPr lang="de-CH" dirty="0" smtClean="0">
-                <a:latin typeface="Consolas" panose="020B0609020204030204" pitchFamily="49" charset="0"/>
-              </a:rPr>
-              <a:t>m2=(0-127)/(270-0) = -0.47</a:t>
-            </a:r>
-            <a:r>
-              <a:rPr lang="de-CH" dirty="0">
-                <a:latin typeface="Consolas" panose="020B0609020204030204" pitchFamily="49" charset="0"/>
-              </a:rPr>
-              <a:t/>
             </a:r>
             <a:br>
               <a:rPr lang="de-CH" dirty="0">
@@ -6022,17 +5887,50 @@
               <a:rPr lang="de-CH" dirty="0">
                 <a:latin typeface="Consolas" panose="020B0609020204030204" pitchFamily="49" charset="0"/>
               </a:rPr>
-              <a:t> </a:t>
-            </a:r>
-            <a:r>
-              <a:rPr lang="de-CH" dirty="0" smtClean="0">
+              <a:t>  q1=0</a:t>
+            </a:r>
+          </a:p>
+          <a:p>
+            <a:pPr marL="0" indent="0">
+              <a:buNone/>
+            </a:pPr>
+            <a:endParaRPr lang="de-CH" dirty="0"/>
+          </a:p>
+          <a:p>
+            <a:pPr marL="0" indent="0">
+              <a:buNone/>
+            </a:pPr>
+            <a:r>
+              <a:rPr lang="de-CH" dirty="0" err="1"/>
+              <a:t>yKorr</a:t>
+            </a:r>
+            <a:r>
+              <a:rPr lang="de-CH" dirty="0"/>
+              <a:t>: P1(0/127)	P2(270/0)</a:t>
+            </a:r>
+          </a:p>
+          <a:p>
+            <a:pPr>
+              <a:buFont typeface="Symbol" panose="05050102010706020507" pitchFamily="18" charset="2"/>
+              <a:buChar char="Þ"/>
+            </a:pPr>
+            <a:r>
+              <a:rPr lang="de-CH" dirty="0">
                 <a:latin typeface="Consolas" panose="020B0609020204030204" pitchFamily="49" charset="0"/>
               </a:rPr>
-              <a:t>q2=127</a:t>
-            </a:r>
-            <a:endParaRPr lang="de-CH" dirty="0" smtClean="0">
-              <a:latin typeface="Consolas" panose="020B0609020204030204" pitchFamily="49" charset="0"/>
-            </a:endParaRPr>
+              <a:t>m2=(0-127)/(270-0) = -0.47</a:t>
+            </a:r>
+            <a:br>
+              <a:rPr lang="de-CH" dirty="0">
+                <a:latin typeface="Consolas" panose="020B0609020204030204" pitchFamily="49" charset="0"/>
+              </a:rPr>
+            </a:br>
+            <a:r>
+              <a:rPr lang="de-CH" dirty="0">
+                <a:latin typeface="Consolas" panose="020B0609020204030204" pitchFamily="49" charset="0"/>
+              </a:rPr>
+              <a:t> q2=127</a:t>
+            </a:r>
           </a:p>
         </p:txBody>
       </p:sp>
@@ -6046,13 +5944,6 @@
   <p:clrMapOvr>
     <a:masterClrMapping/>
   </p:clrMapOvr>
-  <p:timing>
-    <p:tnLst>
-      <p:par>
-        <p:cTn id="1" dur="indefinite" restart="never" nodeType="tmRoot"/>
-      </p:par>
-    </p:tnLst>
-  </p:timing>
 </p:sld>
 </file>
 
@@ -6089,10 +5980,9 @@
           <a:lstStyle/>
           <a:p>
             <a:r>
-              <a:rPr lang="de-CH" dirty="0" smtClean="0"/>
+              <a:rPr lang="de-CH" dirty="0"/>
               <a:t>Angewandte Aufgabe</a:t>
             </a:r>
-            <a:endParaRPr lang="de-CH" dirty="0"/>
           </a:p>
         </p:txBody>
       </p:sp>
@@ -6221,10 +6111,9 @@
           <a:lstStyle/>
           <a:p>
             <a:r>
-              <a:rPr lang="de-CH" dirty="0" smtClean="0"/>
+              <a:rPr lang="de-CH" dirty="0"/>
               <a:t>(0/0)</a:t>
             </a:r>
-            <a:endParaRPr lang="de-CH" dirty="0"/>
           </a:p>
         </p:txBody>
       </p:sp>
@@ -6251,10 +6140,9 @@
           <a:lstStyle/>
           <a:p>
             <a:r>
-              <a:rPr lang="de-CH" dirty="0" smtClean="0"/>
+              <a:rPr lang="de-CH" dirty="0"/>
               <a:t>(177/0)</a:t>
             </a:r>
-            <a:endParaRPr lang="de-CH" dirty="0"/>
           </a:p>
         </p:txBody>
       </p:sp>
@@ -6281,10 +6169,9 @@
           <a:lstStyle/>
           <a:p>
             <a:r>
-              <a:rPr lang="de-CH" dirty="0" smtClean="0"/>
+              <a:rPr lang="de-CH" dirty="0"/>
               <a:t>(177/127)</a:t>
             </a:r>
-            <a:endParaRPr lang="de-CH" dirty="0"/>
           </a:p>
         </p:txBody>
       </p:sp>
@@ -6311,10 +6198,9 @@
           <a:lstStyle/>
           <a:p>
             <a:r>
-              <a:rPr lang="de-CH" dirty="0" smtClean="0"/>
+              <a:rPr lang="de-CH" dirty="0"/>
               <a:t>(0/127)</a:t>
             </a:r>
-            <a:endParaRPr lang="de-CH" dirty="0"/>
           </a:p>
         </p:txBody>
       </p:sp>
@@ -6328,13 +6214,6 @@
   <p:clrMapOvr>
     <a:masterClrMapping/>
   </p:clrMapOvr>
-  <p:timing>
-    <p:tnLst>
-      <p:par>
-        <p:cTn id="1" dur="indefinite" restart="never" nodeType="tmRoot"/>
-      </p:par>
-    </p:tnLst>
-  </p:timing>
 </p:sld>
 </file>
 
@@ -6371,10 +6250,9 @@
           <a:lstStyle/>
           <a:p>
             <a:r>
-              <a:rPr lang="de-CH" dirty="0" smtClean="0"/>
+              <a:rPr lang="de-CH" dirty="0"/>
               <a:t>Angewandte Aufgabe</a:t>
             </a:r>
-            <a:endParaRPr lang="de-CH" dirty="0"/>
           </a:p>
         </p:txBody>
       </p:sp>
@@ -6476,10 +6354,9 @@
           <a:lstStyle/>
           <a:p>
             <a:r>
-              <a:rPr lang="de-CH" dirty="0" smtClean="0"/>
+              <a:rPr lang="de-CH" dirty="0"/>
               <a:t>(0/0)</a:t>
             </a:r>
-            <a:endParaRPr lang="de-CH" dirty="0"/>
           </a:p>
         </p:txBody>
       </p:sp>
@@ -6506,10 +6383,9 @@
           <a:lstStyle/>
           <a:p>
             <a:r>
-              <a:rPr lang="de-CH" dirty="0" smtClean="0"/>
+              <a:rPr lang="de-CH" dirty="0"/>
               <a:t>(177/0)</a:t>
             </a:r>
-            <a:endParaRPr lang="de-CH" dirty="0"/>
           </a:p>
         </p:txBody>
       </p:sp>
@@ -6536,10 +6412,9 @@
           <a:lstStyle/>
           <a:p>
             <a:r>
-              <a:rPr lang="de-CH" dirty="0" smtClean="0"/>
+              <a:rPr lang="de-CH" dirty="0"/>
               <a:t>(177/127)</a:t>
             </a:r>
-            <a:endParaRPr lang="de-CH" dirty="0"/>
           </a:p>
         </p:txBody>
       </p:sp>
@@ -6566,10 +6441,9 @@
           <a:lstStyle/>
           <a:p>
             <a:r>
-              <a:rPr lang="de-CH" dirty="0" smtClean="0"/>
+              <a:rPr lang="de-CH" dirty="0"/>
               <a:t>(0/127)</a:t>
             </a:r>
-            <a:endParaRPr lang="de-CH" dirty="0"/>
           </a:p>
         </p:txBody>
       </p:sp>
@@ -6596,10 +6470,9 @@
           <a:lstStyle/>
           <a:p>
             <a:r>
-              <a:rPr lang="de-CH" dirty="0" smtClean="0"/>
+              <a:rPr lang="de-CH" dirty="0"/>
               <a:t>(0/64)</a:t>
             </a:r>
-            <a:endParaRPr lang="de-CH" dirty="0"/>
           </a:p>
         </p:txBody>
       </p:sp>
@@ -6642,13 +6515,6 @@
   <p:clrMapOvr>
     <a:masterClrMapping/>
   </p:clrMapOvr>
-  <p:timing>
-    <p:tnLst>
-      <p:par>
-        <p:cTn id="1" dur="indefinite" restart="never" nodeType="tmRoot"/>
-      </p:par>
-    </p:tnLst>
-  </p:timing>
 </p:sld>
 </file>
 

--- a/SchulungsUnterlagen/BZU/Lineare_Funktion_Uebungen.pptx
+++ b/SchulungsUnterlagen/BZU/Lineare_Funktion_Uebungen.pptx
@@ -3076,6 +3076,13 @@
   <p:clrMapOvr>
     <a:masterClrMapping/>
   </p:clrMapOvr>
+  <p:timing>
+    <p:tnLst>
+      <p:par>
+        <p:cTn id="1" dur="indefinite" restart="never" nodeType="tmRoot"/>
+      </p:par>
+    </p:tnLst>
+  </p:timing>
 </p:sld>
 </file>
 
@@ -3501,6 +3508,10 @@
             <a:br>
               <a:rPr lang="de-CH" b="1" dirty="0"/>
             </a:br>
+            <a:r>
+              <a:rPr lang="de-CH" b="1" dirty="0"/>
+              <a:t/>
+            </a:r>
             <a:br>
               <a:rPr lang="de-CH" b="1" dirty="0"/>
             </a:br>
@@ -4304,6 +4315,13 @@
   <p:clrMapOvr>
     <a:masterClrMapping/>
   </p:clrMapOvr>
+  <p:timing>
+    <p:tnLst>
+      <p:par>
+        <p:cTn id="1" dur="indefinite" restart="never" nodeType="tmRoot"/>
+      </p:par>
+    </p:tnLst>
+  </p:timing>
 </p:sld>
 </file>
 
@@ -4709,7 +4727,7 @@
           </p:nvSpPr>
           <p:spPr>
             <a:xfrm>
-              <a:off x="4565710" y="5005781"/>
+              <a:off x="4644081" y="5007274"/>
               <a:ext cx="382976" cy="369331"/>
             </a:xfrm>
             <a:prstGeom prst="rect">
@@ -4724,9 +4742,10 @@
             <a:lstStyle/>
             <a:p>
               <a:r>
-                <a:rPr lang="de-CH" dirty="0"/>
-                <a:t>-5</a:t>
+                <a:rPr lang="de-CH" dirty="0" smtClean="0"/>
+                <a:t>5</a:t>
               </a:r>
+              <a:endParaRPr lang="de-CH" dirty="0"/>
             </a:p>
           </p:txBody>
         </p:sp>
@@ -4990,6 +5009,10 @@
             <a:pPr marL="0" lvl="0" indent="0">
               <a:buNone/>
             </a:pPr>
+            <a:r>
+              <a:rPr lang="de-CH" dirty="0"/>
+              <a:t/>
+            </a:r>
             <a:br>
               <a:rPr lang="de-CH" dirty="0"/>
             </a:br>
@@ -5004,7 +5027,15 @@
             </a:pPr>
             <a:r>
               <a:rPr lang="de-CH" dirty="0"/>
-              <a:t>2) Was hat der Punkt P2 für eine x-Koordinate, wenn dieser bei y=10 liegt?</a:t>
+              <a:t>2) Was hat der Punkt P2 für eine x-Koordinate, wenn dieser bei </a:t>
+            </a:r>
+            <a:r>
+              <a:rPr lang="de-CH" dirty="0" smtClean="0"/>
+              <a:t>x=10 </a:t>
+            </a:r>
+            <a:r>
+              <a:rPr lang="de-CH" dirty="0"/>
+              <a:t>liegt?</a:t>
             </a:r>
           </a:p>
           <a:p>
@@ -5054,6 +5085,13 @@
   <p:clrMapOvr>
     <a:masterClrMapping/>
   </p:clrMapOvr>
+  <p:timing>
+    <p:tnLst>
+      <p:par>
+        <p:cTn id="1" dur="indefinite" restart="never" nodeType="tmRoot"/>
+      </p:par>
+    </p:tnLst>
+  </p:timing>
 </p:sld>
 </file>
 

--- a/SchulungsUnterlagen/BZU/Lineare_Funktion_Uebungen.pptx
+++ b/SchulungsUnterlagen/BZU/Lineare_Funktion_Uebungen.pptx
@@ -6535,8 +6535,8 @@
         </p:blipFill>
         <p:spPr>
           <a:xfrm>
-            <a:off x="1206812" y="3894268"/>
-            <a:ext cx="9703398" cy="2399591"/>
+            <a:off x="1206812" y="3743661"/>
+            <a:ext cx="9703398" cy="2517290"/>
           </a:xfrm>
           <a:prstGeom prst="rect">
             <a:avLst/>
